--- a/ReportAndPPT/presentation.pptx
+++ b/ReportAndPPT/presentation.pptx
@@ -27793,7 +27793,7 @@
       </p:sp>
       <p:pic>
         <p:nvPicPr>
-          <p:cNvPr id="7" name="图片 6" descr="acc"/>
+          <p:cNvPr id="2" name="图片 1" descr="acc"/>
           <p:cNvPicPr>
             <a:picLocks noChangeAspect="1"/>
           </p:cNvPicPr>
@@ -27807,8 +27807,8 @@
         </p:blipFill>
         <p:spPr>
           <a:xfrm>
-            <a:off x="1290955" y="969645"/>
-            <a:ext cx="9257665" cy="5181600"/>
+            <a:off x="1515110" y="1083945"/>
+            <a:ext cx="8947150" cy="5007610"/>
           </a:xfrm>
           <a:prstGeom prst="rect">
             <a:avLst/>
@@ -28121,7 +28121,7 @@
       </p:sp>
       <p:pic>
         <p:nvPicPr>
-          <p:cNvPr id="2" name="图片 1" descr="f1score"/>
+          <p:cNvPr id="4" name="图片 3" descr="f1score"/>
           <p:cNvPicPr>
             <a:picLocks noChangeAspect="1"/>
           </p:cNvPicPr>
@@ -28135,8 +28135,8 @@
         </p:blipFill>
         <p:spPr>
           <a:xfrm>
-            <a:off x="1325880" y="1096010"/>
-            <a:ext cx="9381490" cy="5244465"/>
+            <a:off x="1462405" y="1130935"/>
+            <a:ext cx="9147810" cy="5114290"/>
           </a:xfrm>
           <a:prstGeom prst="rect">
             <a:avLst/>
@@ -44588,7 +44588,7 @@
 <file path=ppt/tags/tag1.xml><?xml version="1.0" encoding="utf-8"?>
 <p:tagLst xmlns:p="http://schemas.openxmlformats.org/presentationml/2006/main">
   <p:tag name="KSO_WPP_MARK_KEY" val="18c9a6a0-8f20-4e30-b6ae-064efe17c28d"/>
-  <p:tag name="COMMONDATA" val="eyJoZGlkIjoiNzczZmI0MTExN2E2NGRlZGU1Mjk0OTYzMjE2NGRkM2MifQ=="/>
+  <p:tag name="COMMONDATA" val="eyJoZGlkIjoiMTE5ODYxZjlmZWY2OGU5MmFkYmIzY2M0M2QyODUxN2IifQ=="/>
 </p:tagLst>
 </file>
 
